--- a/Bellevue University/Courses/DSC640/Week11and12/DSC640 Weekly Assignment-Week11and12-EdrisSafari.pptx
+++ b/Bellevue University/Courses/DSC640/Week11and12/DSC640 Weekly Assignment-Week11and12-EdrisSafari.pptx
@@ -9,12 +9,15 @@
     <p:sldId id="257" r:id="rId3"/>
     <p:sldId id="259" r:id="rId4"/>
     <p:sldId id="269" r:id="rId5"/>
-    <p:sldId id="270" r:id="rId6"/>
-    <p:sldId id="271" r:id="rId7"/>
-    <p:sldId id="272" r:id="rId8"/>
-    <p:sldId id="273" r:id="rId9"/>
-    <p:sldId id="274" r:id="rId10"/>
-    <p:sldId id="275" r:id="rId11"/>
+    <p:sldId id="276" r:id="rId6"/>
+    <p:sldId id="270" r:id="rId7"/>
+    <p:sldId id="271" r:id="rId8"/>
+    <p:sldId id="272" r:id="rId9"/>
+    <p:sldId id="277" r:id="rId10"/>
+    <p:sldId id="273" r:id="rId11"/>
+    <p:sldId id="274" r:id="rId12"/>
+    <p:sldId id="275" r:id="rId13"/>
+    <p:sldId id="278" r:id="rId14"/>
   </p:sldIdLst>
   <p:sldSz cx="12192000" cy="6858000"/>
   <p:notesSz cx="6858000" cy="9144000"/>
@@ -268,7 +271,7 @@
           <a:p>
             <a:fld id="{8D9B3238-6D88-4B27-8079-4573EACB5955}" type="datetimeFigureOut">
               <a:rPr lang="en-US" smtClean="0"/>
-              <a:t>10/17/2022</a:t>
+              <a:t>11/11/2022</a:t>
             </a:fld>
             <a:endParaRPr lang="en-US"/>
           </a:p>
@@ -466,7 +469,7 @@
           <a:p>
             <a:fld id="{8D9B3238-6D88-4B27-8079-4573EACB5955}" type="datetimeFigureOut">
               <a:rPr lang="en-US" smtClean="0"/>
-              <a:t>10/17/2022</a:t>
+              <a:t>11/11/2022</a:t>
             </a:fld>
             <a:endParaRPr lang="en-US"/>
           </a:p>
@@ -674,7 +677,7 @@
           <a:p>
             <a:fld id="{8D9B3238-6D88-4B27-8079-4573EACB5955}" type="datetimeFigureOut">
               <a:rPr lang="en-US" smtClean="0"/>
-              <a:t>10/17/2022</a:t>
+              <a:t>11/11/2022</a:t>
             </a:fld>
             <a:endParaRPr lang="en-US"/>
           </a:p>
@@ -872,7 +875,7 @@
           <a:p>
             <a:fld id="{8D9B3238-6D88-4B27-8079-4573EACB5955}" type="datetimeFigureOut">
               <a:rPr lang="en-US" smtClean="0"/>
-              <a:t>10/17/2022</a:t>
+              <a:t>11/11/2022</a:t>
             </a:fld>
             <a:endParaRPr lang="en-US"/>
           </a:p>
@@ -1147,7 +1150,7 @@
           <a:p>
             <a:fld id="{8D9B3238-6D88-4B27-8079-4573EACB5955}" type="datetimeFigureOut">
               <a:rPr lang="en-US" smtClean="0"/>
-              <a:t>10/17/2022</a:t>
+              <a:t>11/11/2022</a:t>
             </a:fld>
             <a:endParaRPr lang="en-US"/>
           </a:p>
@@ -1412,7 +1415,7 @@
           <a:p>
             <a:fld id="{8D9B3238-6D88-4B27-8079-4573EACB5955}" type="datetimeFigureOut">
               <a:rPr lang="en-US" smtClean="0"/>
-              <a:t>10/17/2022</a:t>
+              <a:t>11/11/2022</a:t>
             </a:fld>
             <a:endParaRPr lang="en-US"/>
           </a:p>
@@ -1824,7 +1827,7 @@
           <a:p>
             <a:fld id="{8D9B3238-6D88-4B27-8079-4573EACB5955}" type="datetimeFigureOut">
               <a:rPr lang="en-US" smtClean="0"/>
-              <a:t>10/17/2022</a:t>
+              <a:t>11/11/2022</a:t>
             </a:fld>
             <a:endParaRPr lang="en-US"/>
           </a:p>
@@ -1965,7 +1968,7 @@
           <a:p>
             <a:fld id="{8D9B3238-6D88-4B27-8079-4573EACB5955}" type="datetimeFigureOut">
               <a:rPr lang="en-US" smtClean="0"/>
-              <a:t>10/17/2022</a:t>
+              <a:t>11/11/2022</a:t>
             </a:fld>
             <a:endParaRPr lang="en-US"/>
           </a:p>
@@ -2078,7 +2081,7 @@
           <a:p>
             <a:fld id="{8D9B3238-6D88-4B27-8079-4573EACB5955}" type="datetimeFigureOut">
               <a:rPr lang="en-US" smtClean="0"/>
-              <a:t>10/17/2022</a:t>
+              <a:t>11/11/2022</a:t>
             </a:fld>
             <a:endParaRPr lang="en-US"/>
           </a:p>
@@ -2389,7 +2392,7 @@
           <a:p>
             <a:fld id="{8D9B3238-6D88-4B27-8079-4573EACB5955}" type="datetimeFigureOut">
               <a:rPr lang="en-US" smtClean="0"/>
-              <a:t>10/17/2022</a:t>
+              <a:t>11/11/2022</a:t>
             </a:fld>
             <a:endParaRPr lang="en-US"/>
           </a:p>
@@ -2677,7 +2680,7 @@
           <a:p>
             <a:fld id="{8D9B3238-6D88-4B27-8079-4573EACB5955}" type="datetimeFigureOut">
               <a:rPr lang="en-US" smtClean="0"/>
-              <a:t>10/17/2022</a:t>
+              <a:t>11/11/2022</a:t>
             </a:fld>
             <a:endParaRPr lang="en-US"/>
           </a:p>
@@ -2918,7 +2921,7 @@
           <a:p>
             <a:fld id="{8D9B3238-6D88-4B27-8079-4573EACB5955}" type="datetimeFigureOut">
               <a:rPr lang="en-US" smtClean="0"/>
-              <a:t>10/17/2022</a:t>
+              <a:t>11/11/2022</a:t>
             </a:fld>
             <a:endParaRPr lang="en-US"/>
           </a:p>
@@ -3437,7 +3440,7 @@
       </p:grpSpPr>
       <p:sp>
         <p:nvSpPr>
-          <p:cNvPr id="9" name="Rectangle 8">
+          <p:cNvPr id="14" name="Rectangle 13">
             <a:extLst>
               <a:ext uri="{FF2B5EF4-FFF2-40B4-BE49-F238E27FC236}">
                 <a16:creationId xmlns:a16="http://schemas.microsoft.com/office/drawing/2014/main" id="{6753252F-4873-4F63-801D-CC719279A7D5}"/>
@@ -3500,7 +3503,7 @@
       </p:sp>
       <p:sp>
         <p:nvSpPr>
-          <p:cNvPr id="11" name="Rectangle 10">
+          <p:cNvPr id="16" name="Rectangle 15">
             <a:extLst>
               <a:ext uri="{FF2B5EF4-FFF2-40B4-BE49-F238E27FC236}">
                 <a16:creationId xmlns:a16="http://schemas.microsoft.com/office/drawing/2014/main" id="{047C8CCB-F95D-4249-92DD-651249D3535A}"/>
@@ -3530,7 +3533,7 @@
             <a:avLst/>
           </a:prstGeom>
           <a:solidFill>
-            <a:srgbClr val="414472"/>
+            <a:srgbClr val="677B91"/>
           </a:solidFill>
           <a:ln>
             <a:noFill/>
@@ -3610,11 +3613,694 @@
                 <a:ea typeface="+mj-ea"/>
                 <a:cs typeface="+mj-cs"/>
               </a:rPr>
+              <a:t>R Histogram</a:t>
+            </a:r>
+          </a:p>
+        </p:txBody>
+      </p:sp>
+      <p:pic>
+        <p:nvPicPr>
+          <p:cNvPr id="4" name="Audio 3">
+            <a:hlinkClick r:id="" action="ppaction://media"/>
+            <a:extLst>
+              <a:ext uri="{FF2B5EF4-FFF2-40B4-BE49-F238E27FC236}">
+                <a16:creationId xmlns:a16="http://schemas.microsoft.com/office/drawing/2014/main" id="{11D58975-27E4-22E3-6020-2B86BB1D8CEC}"/>
+              </a:ext>
+            </a:extLst>
+          </p:cNvPr>
+          <p:cNvPicPr>
+            <a:picLocks noChangeAspect="1"/>
+          </p:cNvPicPr>
+          <p:nvPr>
+            <a:audioFile r:link="rId2"/>
+            <p:extLst>
+              <p:ext uri="{DAA4B4D4-6D71-4841-9C94-3DE7FCFB9230}">
+                <p14:media xmlns:p14="http://schemas.microsoft.com/office/powerpoint/2010/main" r:embed="rId1"/>
+              </p:ext>
+            </p:extLst>
+          </p:nvPr>
+        </p:nvPicPr>
+        <p:blipFill>
+          <a:blip r:embed="rId4"/>
+          <a:stretch>
+            <a:fillRect/>
+          </a:stretch>
+        </p:blipFill>
+        <p:spPr>
+          <a:xfrm>
+            <a:off x="11430000" y="6096000"/>
+            <a:ext cx="609600" cy="609600"/>
+          </a:xfrm>
+          <a:prstGeom prst="rect">
+            <a:avLst/>
+          </a:prstGeom>
+        </p:spPr>
+      </p:pic>
+      <p:pic>
+        <p:nvPicPr>
+          <p:cNvPr id="6" name="Picture 5">
+            <a:extLst>
+              <a:ext uri="{FF2B5EF4-FFF2-40B4-BE49-F238E27FC236}">
+                <a16:creationId xmlns:a16="http://schemas.microsoft.com/office/drawing/2014/main" id="{50E2B7F0-87E7-2ED3-15AE-9105E0991D45}"/>
+              </a:ext>
+            </a:extLst>
+          </p:cNvPr>
+          <p:cNvPicPr>
+            <a:picLocks noChangeAspect="1"/>
+          </p:cNvPicPr>
+          <p:nvPr/>
+        </p:nvPicPr>
+        <p:blipFill>
+          <a:blip r:embed="rId5"/>
+          <a:stretch>
+            <a:fillRect/>
+          </a:stretch>
+        </p:blipFill>
+        <p:spPr>
+          <a:xfrm>
+            <a:off x="4952868" y="1390905"/>
+            <a:ext cx="5285714" cy="4076190"/>
+          </a:xfrm>
+          <a:prstGeom prst="rect">
+            <a:avLst/>
+          </a:prstGeom>
+        </p:spPr>
+      </p:pic>
+    </p:spTree>
+    <p:extLst>
+      <p:ext uri="{BB962C8B-B14F-4D97-AF65-F5344CB8AC3E}">
+        <p14:creationId xmlns:p14="http://schemas.microsoft.com/office/powerpoint/2010/main" val="1202723124"/>
+      </p:ext>
+    </p:extLst>
+  </p:cSld>
+  <p:clrMapOvr>
+    <a:masterClrMapping/>
+  </p:clrMapOvr>
+  <mc:AlternateContent xmlns:mc="http://schemas.openxmlformats.org/markup-compatibility/2006">
+    <mc:Choice xmlns:p14="http://schemas.microsoft.com/office/powerpoint/2010/main" Requires="p14">
+      <p:transition spd="slow" p14:dur="2000" advTm="1773"/>
+    </mc:Choice>
+    <mc:Fallback>
+      <p:transition spd="slow" advTm="1773"/>
+    </mc:Fallback>
+  </mc:AlternateContent>
+  <p:timing>
+    <p:tnLst>
+      <p:par>
+        <p:cTn id="1" dur="indefinite" restart="never" nodeType="tmRoot">
+          <p:childTnLst>
+            <p:seq concurrent="1" nextAc="seek">
+              <p:cTn id="2" dur="indefinite" nodeType="mainSeq">
+                <p:childTnLst>
+                  <p:par>
+                    <p:cTn id="3" fill="hold">
+                      <p:stCondLst>
+                        <p:cond delay="indefinite"/>
+                        <p:cond evt="onBegin" delay="0">
+                          <p:tn val="2"/>
+                        </p:cond>
+                      </p:stCondLst>
+                      <p:childTnLst>
+                        <p:par>
+                          <p:cTn id="4" fill="hold">
+                            <p:stCondLst>
+                              <p:cond delay="0"/>
+                            </p:stCondLst>
+                            <p:childTnLst>
+                              <p:par>
+                                <p:cTn id="5" presetID="1" presetClass="mediacall" presetSubtype="0" fill="hold" nodeType="afterEffect">
+                                  <p:stCondLst>
+                                    <p:cond delay="0"/>
+                                  </p:stCondLst>
+                                  <p:childTnLst>
+                                    <p:cmd type="call" cmd="playFrom(0.0)">
+                                      <p:cBhvr>
+                                        <p:cTn id="6" dur="1" fill="hold"/>
+                                        <p:tgtEl>
+                                          <p:spTgt spid="4"/>
+                                        </p:tgtEl>
+                                      </p:cBhvr>
+                                    </p:cmd>
+                                  </p:childTnLst>
+                                </p:cTn>
+                              </p:par>
+                            </p:childTnLst>
+                          </p:cTn>
+                        </p:par>
+                      </p:childTnLst>
+                    </p:cTn>
+                  </p:par>
+                </p:childTnLst>
+              </p:cTn>
+              <p:prevCondLst>
+                <p:cond evt="onPrev" delay="0">
+                  <p:tgtEl>
+                    <p:sldTgt/>
+                  </p:tgtEl>
+                </p:cond>
+              </p:prevCondLst>
+              <p:nextCondLst>
+                <p:cond evt="onNext" delay="0">
+                  <p:tgtEl>
+                    <p:sldTgt/>
+                  </p:tgtEl>
+                </p:cond>
+              </p:nextCondLst>
+            </p:seq>
+            <p:audio isNarration="1">
+              <p:cMediaNode vol="80000" showWhenStopped="0">
+                <p:cTn id="7" fill="hold" display="0">
+                  <p:stCondLst>
+                    <p:cond delay="indefinite"/>
+                  </p:stCondLst>
+                  <p:endCondLst>
+                    <p:cond evt="onStopAudio" delay="0">
+                      <p:tgtEl>
+                        <p:sldTgt/>
+                      </p:tgtEl>
+                    </p:cond>
+                  </p:endCondLst>
+                </p:cTn>
+                <p:tgtEl>
+                  <p:spTgt spid="4"/>
+                </p:tgtEl>
+              </p:cMediaNode>
+            </p:audio>
+          </p:childTnLst>
+        </p:cTn>
+      </p:par>
+    </p:tnLst>
+  </p:timing>
+</p:sld>
+</file>
+
+<file path=ppt/slides/slide11.xml><?xml version="1.0" encoding="utf-8"?>
+<p:sld xmlns:a="http://schemas.openxmlformats.org/drawingml/2006/main" xmlns:r="http://schemas.openxmlformats.org/officeDocument/2006/relationships" xmlns:p="http://schemas.openxmlformats.org/presentationml/2006/main">
+  <p:cSld>
+    <p:bg>
+      <p:bgPr>
+        <a:solidFill>
+          <a:schemeClr val="bg1"/>
+        </a:solidFill>
+        <a:effectLst/>
+      </p:bgPr>
+    </p:bg>
+    <p:spTree>
+      <p:nvGrpSpPr>
+        <p:cNvPr id="1" name=""/>
+        <p:cNvGrpSpPr/>
+        <p:nvPr/>
+      </p:nvGrpSpPr>
+      <p:grpSpPr>
+        <a:xfrm>
+          <a:off x="0" y="0"/>
+          <a:ext cx="0" cy="0"/>
+          <a:chOff x="0" y="0"/>
+          <a:chExt cx="0" cy="0"/>
+        </a:xfrm>
+      </p:grpSpPr>
+      <p:sp>
+        <p:nvSpPr>
+          <p:cNvPr id="9" name="Rectangle 8">
+            <a:extLst>
+              <a:ext uri="{FF2B5EF4-FFF2-40B4-BE49-F238E27FC236}">
+                <a16:creationId xmlns:a16="http://schemas.microsoft.com/office/drawing/2014/main" id="{6753252F-4873-4F63-801D-CC719279A7D5}"/>
+              </a:ext>
+              <a:ext uri="{C183D7F6-B498-43B3-948B-1728B52AA6E4}">
+                <adec:decorative xmlns:adec="http://schemas.microsoft.com/office/drawing/2017/decorative" val="1"/>
+              </a:ext>
+            </a:extLst>
+          </p:cNvPr>
+          <p:cNvSpPr>
+            <a:spLocks noGrp="1" noRot="1" noChangeAspect="1" noMove="1" noResize="1" noEditPoints="1" noAdjustHandles="1" noChangeArrowheads="1" noChangeShapeType="1" noTextEdit="1"/>
+          </p:cNvSpPr>
+          <p:nvPr>
+            <p:extLst>
+              <p:ext uri="{386F3935-93C4-4BCD-93E2-E3B085C9AB24}">
+                <p16:designElem xmlns:p16="http://schemas.microsoft.com/office/powerpoint/2015/main" val="1"/>
+              </p:ext>
+            </p:extLst>
+          </p:nvPr>
+        </p:nvSpPr>
+        <p:spPr>
+          <a:xfrm>
+            <a:off x="0" y="0"/>
+            <a:ext cx="12192000" cy="6858000"/>
+          </a:xfrm>
+          <a:prstGeom prst="rect">
+            <a:avLst/>
+          </a:prstGeom>
+          <a:solidFill>
+            <a:srgbClr val="FFFFFF"/>
+          </a:solidFill>
+          <a:ln>
+            <a:noFill/>
+          </a:ln>
+        </p:spPr>
+        <p:style>
+          <a:lnRef idx="2">
+            <a:schemeClr val="accent1">
+              <a:shade val="50000"/>
+            </a:schemeClr>
+          </a:lnRef>
+          <a:fillRef idx="1">
+            <a:schemeClr val="accent1"/>
+          </a:fillRef>
+          <a:effectRef idx="0">
+            <a:schemeClr val="accent1"/>
+          </a:effectRef>
+          <a:fontRef idx="minor">
+            <a:schemeClr val="lt1"/>
+          </a:fontRef>
+        </p:style>
+        <p:txBody>
+          <a:bodyPr rtlCol="0" anchor="ctr"/>
+          <a:lstStyle/>
+          <a:p>
+            <a:pPr algn="ctr"/>
+            <a:endParaRPr lang="en-US"/>
+          </a:p>
+        </p:txBody>
+      </p:sp>
+      <p:sp>
+        <p:nvSpPr>
+          <p:cNvPr id="11" name="Rectangle 10">
+            <a:extLst>
+              <a:ext uri="{FF2B5EF4-FFF2-40B4-BE49-F238E27FC236}">
+                <a16:creationId xmlns:a16="http://schemas.microsoft.com/office/drawing/2014/main" id="{047C8CCB-F95D-4249-92DD-651249D3535A}"/>
+              </a:ext>
+              <a:ext uri="{C183D7F6-B498-43B3-948B-1728B52AA6E4}">
+                <adec:decorative xmlns:adec="http://schemas.microsoft.com/office/drawing/2017/decorative" val="1"/>
+              </a:ext>
+            </a:extLst>
+          </p:cNvPr>
+          <p:cNvSpPr>
+            <a:spLocks noGrp="1" noRot="1" noChangeAspect="1" noMove="1" noResize="1" noEditPoints="1" noAdjustHandles="1" noChangeArrowheads="1" noChangeShapeType="1" noTextEdit="1"/>
+          </p:cNvSpPr>
+          <p:nvPr>
+            <p:extLst>
+              <p:ext uri="{386F3935-93C4-4BCD-93E2-E3B085C9AB24}">
+                <p16:designElem xmlns:p16="http://schemas.microsoft.com/office/powerpoint/2015/main" val="1"/>
+              </p:ext>
+            </p:extLst>
+          </p:nvPr>
+        </p:nvSpPr>
+        <p:spPr>
+          <a:xfrm>
+            <a:off x="0" y="0"/>
+            <a:ext cx="2013557" cy="6858000"/>
+          </a:xfrm>
+          <a:prstGeom prst="rect">
+            <a:avLst/>
+          </a:prstGeom>
+          <a:solidFill>
+            <a:srgbClr val="414472"/>
+          </a:solidFill>
+          <a:ln>
+            <a:noFill/>
+          </a:ln>
+        </p:spPr>
+        <p:style>
+          <a:lnRef idx="2">
+            <a:schemeClr val="accent1">
+              <a:shade val="50000"/>
+            </a:schemeClr>
+          </a:lnRef>
+          <a:fillRef idx="1">
+            <a:schemeClr val="accent1"/>
+          </a:fillRef>
+          <a:effectRef idx="0">
+            <a:schemeClr val="accent1"/>
+          </a:effectRef>
+          <a:fontRef idx="minor">
+            <a:schemeClr val="lt1"/>
+          </a:fontRef>
+        </p:style>
+        <p:txBody>
+          <a:bodyPr rtlCol="0" anchor="ctr"/>
+          <a:lstStyle/>
+          <a:p>
+            <a:pPr algn="ctr"/>
+            <a:endParaRPr lang="en-US"/>
+          </a:p>
+        </p:txBody>
+      </p:sp>
+      <p:sp>
+        <p:nvSpPr>
+          <p:cNvPr id="2" name="Title 1">
+            <a:extLst>
+              <a:ext uri="{FF2B5EF4-FFF2-40B4-BE49-F238E27FC236}">
+                <a16:creationId xmlns:a16="http://schemas.microsoft.com/office/drawing/2014/main" id="{96589A4F-2C72-0A86-F85C-1A61F3B70FEA}"/>
+              </a:ext>
+            </a:extLst>
+          </p:cNvPr>
+          <p:cNvSpPr>
+            <a:spLocks noGrp="1"/>
+          </p:cNvSpPr>
+          <p:nvPr>
+            <p:ph type="title"/>
+          </p:nvPr>
+        </p:nvSpPr>
+        <p:spPr>
+          <a:xfrm>
+            <a:off x="640080" y="2074363"/>
+            <a:ext cx="2752354" cy="2709275"/>
+          </a:xfrm>
+          <a:prstGeom prst="ellipse">
+            <a:avLst/>
+          </a:prstGeom>
+          <a:solidFill>
+            <a:srgbClr val="262626"/>
+          </a:solidFill>
+          <a:ln w="174625" cmpd="thinThick">
+            <a:solidFill>
+              <a:srgbClr val="262626"/>
+            </a:solidFill>
+          </a:ln>
+        </p:spPr>
+        <p:txBody>
+          <a:bodyPr vert="horz" lIns="91440" tIns="45720" rIns="91440" bIns="45720" rtlCol="0" anchor="ctr">
+            <a:normAutofit/>
+          </a:bodyPr>
+          <a:lstStyle/>
+          <a:p>
+            <a:pPr algn="ctr"/>
+            <a:r>
+              <a:rPr lang="en-US" sz="2600" kern="1200" dirty="0">
+                <a:solidFill>
+                  <a:srgbClr val="FFFFFF"/>
+                </a:solidFill>
+                <a:latin typeface="+mj-lt"/>
+                <a:ea typeface="+mj-ea"/>
+                <a:cs typeface="+mj-cs"/>
+              </a:rPr>
+              <a:t>R </a:t>
+            </a:r>
+            <a:r>
+              <a:rPr lang="en-US" sz="2600" dirty="0">
+                <a:solidFill>
+                  <a:srgbClr val="FFFFFF"/>
+                </a:solidFill>
+              </a:rPr>
+              <a:t>Box Plot </a:t>
+            </a:r>
+            <a:endParaRPr lang="en-US" sz="2600" kern="1200" dirty="0">
+              <a:solidFill>
+                <a:srgbClr val="FFFFFF"/>
+              </a:solidFill>
+              <a:latin typeface="+mj-lt"/>
+              <a:ea typeface="+mj-ea"/>
+              <a:cs typeface="+mj-cs"/>
+            </a:endParaRPr>
+          </a:p>
+        </p:txBody>
+      </p:sp>
+      <p:pic>
+        <p:nvPicPr>
+          <p:cNvPr id="5" name="Picture 4">
+            <a:extLst>
+              <a:ext uri="{FF2B5EF4-FFF2-40B4-BE49-F238E27FC236}">
+                <a16:creationId xmlns:a16="http://schemas.microsoft.com/office/drawing/2014/main" id="{7396D727-27D7-2788-DC12-E036E50E8490}"/>
+              </a:ext>
+            </a:extLst>
+          </p:cNvPr>
+          <p:cNvPicPr>
+            <a:picLocks noChangeAspect="1"/>
+          </p:cNvPicPr>
+          <p:nvPr/>
+        </p:nvPicPr>
+        <p:blipFill>
+          <a:blip r:embed="rId2"/>
+          <a:stretch>
+            <a:fillRect/>
+          </a:stretch>
+        </p:blipFill>
+        <p:spPr>
+          <a:xfrm>
+            <a:off x="5030312" y="1354878"/>
+            <a:ext cx="5523809" cy="3847619"/>
+          </a:xfrm>
+          <a:prstGeom prst="rect">
+            <a:avLst/>
+          </a:prstGeom>
+        </p:spPr>
+      </p:pic>
+    </p:spTree>
+    <p:extLst>
+      <p:ext uri="{BB962C8B-B14F-4D97-AF65-F5344CB8AC3E}">
+        <p14:creationId xmlns:p14="http://schemas.microsoft.com/office/powerpoint/2010/main" val="2695916254"/>
+      </p:ext>
+    </p:extLst>
+  </p:cSld>
+  <p:clrMapOvr>
+    <a:masterClrMapping/>
+  </p:clrMapOvr>
+  <mc:AlternateContent xmlns:mc="http://schemas.openxmlformats.org/markup-compatibility/2006">
+    <mc:Choice xmlns:p14="http://schemas.microsoft.com/office/powerpoint/2010/main" Requires="p14">
+      <p:transition spd="slow" p14:dur="2000" advTm="169"/>
+    </mc:Choice>
+    <mc:Fallback>
+      <p:transition spd="slow" advTm="169"/>
+    </mc:Fallback>
+  </mc:AlternateContent>
+</p:sld>
+</file>
+
+<file path=ppt/slides/slide12.xml><?xml version="1.0" encoding="utf-8"?>
+<p:sld xmlns:a="http://schemas.openxmlformats.org/drawingml/2006/main" xmlns:r="http://schemas.openxmlformats.org/officeDocument/2006/relationships" xmlns:p="http://schemas.openxmlformats.org/presentationml/2006/main">
+  <p:cSld>
+    <p:bg>
+      <p:bgPr>
+        <a:solidFill>
+          <a:schemeClr val="bg1"/>
+        </a:solidFill>
+        <a:effectLst/>
+      </p:bgPr>
+    </p:bg>
+    <p:spTree>
+      <p:nvGrpSpPr>
+        <p:cNvPr id="1" name=""/>
+        <p:cNvGrpSpPr/>
+        <p:nvPr/>
+      </p:nvGrpSpPr>
+      <p:grpSpPr>
+        <a:xfrm>
+          <a:off x="0" y="0"/>
+          <a:ext cx="0" cy="0"/>
+          <a:chOff x="0" y="0"/>
+          <a:chExt cx="0" cy="0"/>
+        </a:xfrm>
+      </p:grpSpPr>
+      <p:sp>
+        <p:nvSpPr>
+          <p:cNvPr id="9" name="Rectangle 8">
+            <a:extLst>
+              <a:ext uri="{FF2B5EF4-FFF2-40B4-BE49-F238E27FC236}">
+                <a16:creationId xmlns:a16="http://schemas.microsoft.com/office/drawing/2014/main" id="{6753252F-4873-4F63-801D-CC719279A7D5}"/>
+              </a:ext>
+              <a:ext uri="{C183D7F6-B498-43B3-948B-1728B52AA6E4}">
+                <adec:decorative xmlns:adec="http://schemas.microsoft.com/office/drawing/2017/decorative" val="1"/>
+              </a:ext>
+            </a:extLst>
+          </p:cNvPr>
+          <p:cNvSpPr>
+            <a:spLocks noGrp="1" noRot="1" noChangeAspect="1" noMove="1" noResize="1" noEditPoints="1" noAdjustHandles="1" noChangeArrowheads="1" noChangeShapeType="1" noTextEdit="1"/>
+          </p:cNvSpPr>
+          <p:nvPr>
+            <p:extLst>
+              <p:ext uri="{386F3935-93C4-4BCD-93E2-E3B085C9AB24}">
+                <p16:designElem xmlns:p16="http://schemas.microsoft.com/office/powerpoint/2015/main" val="1"/>
+              </p:ext>
+            </p:extLst>
+          </p:nvPr>
+        </p:nvSpPr>
+        <p:spPr>
+          <a:xfrm>
+            <a:off x="0" y="0"/>
+            <a:ext cx="12192000" cy="6858000"/>
+          </a:xfrm>
+          <a:prstGeom prst="rect">
+            <a:avLst/>
+          </a:prstGeom>
+          <a:solidFill>
+            <a:srgbClr val="FFFFFF"/>
+          </a:solidFill>
+          <a:ln>
+            <a:noFill/>
+          </a:ln>
+        </p:spPr>
+        <p:style>
+          <a:lnRef idx="2">
+            <a:schemeClr val="accent1">
+              <a:shade val="50000"/>
+            </a:schemeClr>
+          </a:lnRef>
+          <a:fillRef idx="1">
+            <a:schemeClr val="accent1"/>
+          </a:fillRef>
+          <a:effectRef idx="0">
+            <a:schemeClr val="accent1"/>
+          </a:effectRef>
+          <a:fontRef idx="minor">
+            <a:schemeClr val="lt1"/>
+          </a:fontRef>
+        </p:style>
+        <p:txBody>
+          <a:bodyPr rtlCol="0" anchor="ctr"/>
+          <a:lstStyle/>
+          <a:p>
+            <a:pPr algn="ctr"/>
+            <a:endParaRPr lang="en-US"/>
+          </a:p>
+        </p:txBody>
+      </p:sp>
+      <p:sp>
+        <p:nvSpPr>
+          <p:cNvPr id="11" name="Rectangle 10">
+            <a:extLst>
+              <a:ext uri="{FF2B5EF4-FFF2-40B4-BE49-F238E27FC236}">
+                <a16:creationId xmlns:a16="http://schemas.microsoft.com/office/drawing/2014/main" id="{047C8CCB-F95D-4249-92DD-651249D3535A}"/>
+              </a:ext>
+              <a:ext uri="{C183D7F6-B498-43B3-948B-1728B52AA6E4}">
+                <adec:decorative xmlns:adec="http://schemas.microsoft.com/office/drawing/2017/decorative" val="1"/>
+              </a:ext>
+            </a:extLst>
+          </p:cNvPr>
+          <p:cNvSpPr>
+            <a:spLocks noGrp="1" noRot="1" noChangeAspect="1" noMove="1" noResize="1" noEditPoints="1" noAdjustHandles="1" noChangeArrowheads="1" noChangeShapeType="1" noTextEdit="1"/>
+          </p:cNvSpPr>
+          <p:nvPr>
+            <p:extLst>
+              <p:ext uri="{386F3935-93C4-4BCD-93E2-E3B085C9AB24}">
+                <p16:designElem xmlns:p16="http://schemas.microsoft.com/office/powerpoint/2015/main" val="1"/>
+              </p:ext>
+            </p:extLst>
+          </p:nvPr>
+        </p:nvSpPr>
+        <p:spPr>
+          <a:xfrm>
+            <a:off x="0" y="0"/>
+            <a:ext cx="2013557" cy="6858000"/>
+          </a:xfrm>
+          <a:prstGeom prst="rect">
+            <a:avLst/>
+          </a:prstGeom>
+          <a:solidFill>
+            <a:srgbClr val="414472"/>
+          </a:solidFill>
+          <a:ln>
+            <a:noFill/>
+          </a:ln>
+        </p:spPr>
+        <p:style>
+          <a:lnRef idx="2">
+            <a:schemeClr val="accent1">
+              <a:shade val="50000"/>
+            </a:schemeClr>
+          </a:lnRef>
+          <a:fillRef idx="1">
+            <a:schemeClr val="accent1"/>
+          </a:fillRef>
+          <a:effectRef idx="0">
+            <a:schemeClr val="accent1"/>
+          </a:effectRef>
+          <a:fontRef idx="minor">
+            <a:schemeClr val="lt1"/>
+          </a:fontRef>
+        </p:style>
+        <p:txBody>
+          <a:bodyPr rtlCol="0" anchor="ctr"/>
+          <a:lstStyle/>
+          <a:p>
+            <a:pPr algn="ctr"/>
+            <a:endParaRPr lang="en-US"/>
+          </a:p>
+        </p:txBody>
+      </p:sp>
+      <p:sp>
+        <p:nvSpPr>
+          <p:cNvPr id="2" name="Title 1">
+            <a:extLst>
+              <a:ext uri="{FF2B5EF4-FFF2-40B4-BE49-F238E27FC236}">
+                <a16:creationId xmlns:a16="http://schemas.microsoft.com/office/drawing/2014/main" id="{96589A4F-2C72-0A86-F85C-1A61F3B70FEA}"/>
+              </a:ext>
+            </a:extLst>
+          </p:cNvPr>
+          <p:cNvSpPr>
+            <a:spLocks noGrp="1"/>
+          </p:cNvSpPr>
+          <p:nvPr>
+            <p:ph type="title"/>
+          </p:nvPr>
+        </p:nvSpPr>
+        <p:spPr>
+          <a:xfrm>
+            <a:off x="640080" y="2074363"/>
+            <a:ext cx="2752354" cy="2709275"/>
+          </a:xfrm>
+          <a:prstGeom prst="ellipse">
+            <a:avLst/>
+          </a:prstGeom>
+          <a:solidFill>
+            <a:srgbClr val="262626"/>
+          </a:solidFill>
+          <a:ln w="174625" cmpd="thinThick">
+            <a:solidFill>
+              <a:srgbClr val="262626"/>
+            </a:solidFill>
+          </a:ln>
+        </p:spPr>
+        <p:txBody>
+          <a:bodyPr vert="horz" lIns="91440" tIns="45720" rIns="91440" bIns="45720" rtlCol="0" anchor="ctr">
+            <a:normAutofit/>
+          </a:bodyPr>
+          <a:lstStyle/>
+          <a:p>
+            <a:pPr algn="ctr"/>
+            <a:r>
+              <a:rPr lang="en-US" sz="2600" kern="1200" dirty="0">
+                <a:solidFill>
+                  <a:srgbClr val="FFFFFF"/>
+                </a:solidFill>
+                <a:latin typeface="+mj-lt"/>
+                <a:ea typeface="+mj-ea"/>
+                <a:cs typeface="+mj-cs"/>
+              </a:rPr>
               <a:t>R Bullet Chart</a:t>
             </a:r>
           </a:p>
         </p:txBody>
       </p:sp>
+      <p:pic>
+        <p:nvPicPr>
+          <p:cNvPr id="5" name="Picture 4">
+            <a:extLst>
+              <a:ext uri="{FF2B5EF4-FFF2-40B4-BE49-F238E27FC236}">
+                <a16:creationId xmlns:a16="http://schemas.microsoft.com/office/drawing/2014/main" id="{52E44908-FD14-32DC-E9CE-0B94C4F5E0A4}"/>
+              </a:ext>
+            </a:extLst>
+          </p:cNvPr>
+          <p:cNvPicPr>
+            <a:picLocks noChangeAspect="1"/>
+          </p:cNvPicPr>
+          <p:nvPr/>
+        </p:nvPicPr>
+        <p:blipFill>
+          <a:blip r:embed="rId2"/>
+          <a:stretch>
+            <a:fillRect/>
+          </a:stretch>
+        </p:blipFill>
+        <p:spPr>
+          <a:xfrm>
+            <a:off x="4853471" y="1500220"/>
+            <a:ext cx="5666667" cy="3657143"/>
+          </a:xfrm>
+          <a:prstGeom prst="rect">
+            <a:avLst/>
+          </a:prstGeom>
+        </p:spPr>
+      </p:pic>
     </p:spTree>
     <p:extLst>
       <p:ext uri="{BB962C8B-B14F-4D97-AF65-F5344CB8AC3E}">
@@ -3625,6 +4311,395 @@
   <p:clrMapOvr>
     <a:masterClrMapping/>
   </p:clrMapOvr>
+  <mc:AlternateContent xmlns:mc="http://schemas.openxmlformats.org/markup-compatibility/2006">
+    <mc:Choice xmlns:p14="http://schemas.microsoft.com/office/powerpoint/2010/main" Requires="p14">
+      <p:transition spd="slow" p14:dur="2000" advTm="337"/>
+    </mc:Choice>
+    <mc:Fallback>
+      <p:transition spd="slow" advTm="337"/>
+    </mc:Fallback>
+  </mc:AlternateContent>
+</p:sld>
+</file>
+
+<file path=ppt/slides/slide13.xml><?xml version="1.0" encoding="utf-8"?>
+<p:sld xmlns:a="http://schemas.openxmlformats.org/drawingml/2006/main" xmlns:r="http://schemas.openxmlformats.org/officeDocument/2006/relationships" xmlns:p="http://schemas.openxmlformats.org/presentationml/2006/main">
+  <p:cSld>
+    <p:bg>
+      <p:bgPr>
+        <a:solidFill>
+          <a:schemeClr val="bg1"/>
+        </a:solidFill>
+        <a:effectLst/>
+      </p:bgPr>
+    </p:bg>
+    <p:spTree>
+      <p:nvGrpSpPr>
+        <p:cNvPr id="1" name=""/>
+        <p:cNvGrpSpPr/>
+        <p:nvPr/>
+      </p:nvGrpSpPr>
+      <p:grpSpPr>
+        <a:xfrm>
+          <a:off x="0" y="0"/>
+          <a:ext cx="0" cy="0"/>
+          <a:chOff x="0" y="0"/>
+          <a:chExt cx="0" cy="0"/>
+        </a:xfrm>
+      </p:grpSpPr>
+      <p:sp>
+        <p:nvSpPr>
+          <p:cNvPr id="9" name="Rectangle 8">
+            <a:extLst>
+              <a:ext uri="{FF2B5EF4-FFF2-40B4-BE49-F238E27FC236}">
+                <a16:creationId xmlns:a16="http://schemas.microsoft.com/office/drawing/2014/main" id="{6753252F-4873-4F63-801D-CC719279A7D5}"/>
+              </a:ext>
+              <a:ext uri="{C183D7F6-B498-43B3-948B-1728B52AA6E4}">
+                <adec:decorative xmlns:adec="http://schemas.microsoft.com/office/drawing/2017/decorative" val="1"/>
+              </a:ext>
+            </a:extLst>
+          </p:cNvPr>
+          <p:cNvSpPr>
+            <a:spLocks noGrp="1" noRot="1" noChangeAspect="1" noMove="1" noResize="1" noEditPoints="1" noAdjustHandles="1" noChangeArrowheads="1" noChangeShapeType="1" noTextEdit="1"/>
+          </p:cNvSpPr>
+          <p:nvPr>
+            <p:extLst>
+              <p:ext uri="{386F3935-93C4-4BCD-93E2-E3B085C9AB24}">
+                <p16:designElem xmlns:p16="http://schemas.microsoft.com/office/powerpoint/2015/main" val="1"/>
+              </p:ext>
+            </p:extLst>
+          </p:nvPr>
+        </p:nvSpPr>
+        <p:spPr>
+          <a:xfrm>
+            <a:off x="0" y="0"/>
+            <a:ext cx="12192000" cy="6858000"/>
+          </a:xfrm>
+          <a:prstGeom prst="rect">
+            <a:avLst/>
+          </a:prstGeom>
+          <a:solidFill>
+            <a:srgbClr val="FFFFFF"/>
+          </a:solidFill>
+          <a:ln>
+            <a:noFill/>
+          </a:ln>
+        </p:spPr>
+        <p:style>
+          <a:lnRef idx="2">
+            <a:schemeClr val="accent1">
+              <a:shade val="50000"/>
+            </a:schemeClr>
+          </a:lnRef>
+          <a:fillRef idx="1">
+            <a:schemeClr val="accent1"/>
+          </a:fillRef>
+          <a:effectRef idx="0">
+            <a:schemeClr val="accent1"/>
+          </a:effectRef>
+          <a:fontRef idx="minor">
+            <a:schemeClr val="lt1"/>
+          </a:fontRef>
+        </p:style>
+        <p:txBody>
+          <a:bodyPr rtlCol="0" anchor="ctr"/>
+          <a:lstStyle/>
+          <a:p>
+            <a:pPr algn="ctr"/>
+            <a:endParaRPr lang="en-US"/>
+          </a:p>
+        </p:txBody>
+      </p:sp>
+      <p:sp>
+        <p:nvSpPr>
+          <p:cNvPr id="11" name="Rectangle 10">
+            <a:extLst>
+              <a:ext uri="{FF2B5EF4-FFF2-40B4-BE49-F238E27FC236}">
+                <a16:creationId xmlns:a16="http://schemas.microsoft.com/office/drawing/2014/main" id="{047C8CCB-F95D-4249-92DD-651249D3535A}"/>
+              </a:ext>
+              <a:ext uri="{C183D7F6-B498-43B3-948B-1728B52AA6E4}">
+                <adec:decorative xmlns:adec="http://schemas.microsoft.com/office/drawing/2017/decorative" val="1"/>
+              </a:ext>
+            </a:extLst>
+          </p:cNvPr>
+          <p:cNvSpPr>
+            <a:spLocks noGrp="1" noRot="1" noChangeAspect="1" noMove="1" noResize="1" noEditPoints="1" noAdjustHandles="1" noChangeArrowheads="1" noChangeShapeType="1" noTextEdit="1"/>
+          </p:cNvSpPr>
+          <p:nvPr>
+            <p:extLst>
+              <p:ext uri="{386F3935-93C4-4BCD-93E2-E3B085C9AB24}">
+                <p16:designElem xmlns:p16="http://schemas.microsoft.com/office/powerpoint/2015/main" val="1"/>
+              </p:ext>
+            </p:extLst>
+          </p:nvPr>
+        </p:nvSpPr>
+        <p:spPr>
+          <a:xfrm>
+            <a:off x="0" y="0"/>
+            <a:ext cx="2013557" cy="6858000"/>
+          </a:xfrm>
+          <a:prstGeom prst="rect">
+            <a:avLst/>
+          </a:prstGeom>
+          <a:solidFill>
+            <a:srgbClr val="414472"/>
+          </a:solidFill>
+          <a:ln>
+            <a:noFill/>
+          </a:ln>
+        </p:spPr>
+        <p:style>
+          <a:lnRef idx="2">
+            <a:schemeClr val="accent1">
+              <a:shade val="50000"/>
+            </a:schemeClr>
+          </a:lnRef>
+          <a:fillRef idx="1">
+            <a:schemeClr val="accent1"/>
+          </a:fillRef>
+          <a:effectRef idx="0">
+            <a:schemeClr val="accent1"/>
+          </a:effectRef>
+          <a:fontRef idx="minor">
+            <a:schemeClr val="lt1"/>
+          </a:fontRef>
+        </p:style>
+        <p:txBody>
+          <a:bodyPr rtlCol="0" anchor="ctr"/>
+          <a:lstStyle/>
+          <a:p>
+            <a:pPr algn="ctr"/>
+            <a:endParaRPr lang="en-US"/>
+          </a:p>
+        </p:txBody>
+      </p:sp>
+      <p:sp>
+        <p:nvSpPr>
+          <p:cNvPr id="2" name="Title 1">
+            <a:extLst>
+              <a:ext uri="{FF2B5EF4-FFF2-40B4-BE49-F238E27FC236}">
+                <a16:creationId xmlns:a16="http://schemas.microsoft.com/office/drawing/2014/main" id="{96589A4F-2C72-0A86-F85C-1A61F3B70FEA}"/>
+              </a:ext>
+            </a:extLst>
+          </p:cNvPr>
+          <p:cNvSpPr>
+            <a:spLocks noGrp="1"/>
+          </p:cNvSpPr>
+          <p:nvPr>
+            <p:ph type="title"/>
+          </p:nvPr>
+        </p:nvSpPr>
+        <p:spPr>
+          <a:xfrm>
+            <a:off x="640080" y="2074363"/>
+            <a:ext cx="2752354" cy="2709275"/>
+          </a:xfrm>
+          <a:prstGeom prst="ellipse">
+            <a:avLst/>
+          </a:prstGeom>
+          <a:solidFill>
+            <a:srgbClr val="262626"/>
+          </a:solidFill>
+          <a:ln w="174625" cmpd="thinThick">
+            <a:solidFill>
+              <a:srgbClr val="262626"/>
+            </a:solidFill>
+          </a:ln>
+        </p:spPr>
+        <p:txBody>
+          <a:bodyPr vert="horz" lIns="91440" tIns="45720" rIns="91440" bIns="45720" rtlCol="0" anchor="ctr">
+            <a:normAutofit/>
+          </a:bodyPr>
+          <a:lstStyle/>
+          <a:p>
+            <a:pPr algn="ctr"/>
+            <a:r>
+              <a:rPr lang="en-US" sz="2600" kern="1200" dirty="0">
+                <a:solidFill>
+                  <a:srgbClr val="FFFFFF"/>
+                </a:solidFill>
+                <a:latin typeface="+mj-lt"/>
+                <a:ea typeface="+mj-ea"/>
+                <a:cs typeface="+mj-cs"/>
+              </a:rPr>
+              <a:t>R Contour Map</a:t>
+            </a:r>
+          </a:p>
+        </p:txBody>
+      </p:sp>
+      <p:pic>
+        <p:nvPicPr>
+          <p:cNvPr id="4" name="Audio 3">
+            <a:hlinkClick r:id="" action="ppaction://media"/>
+            <a:extLst>
+              <a:ext uri="{FF2B5EF4-FFF2-40B4-BE49-F238E27FC236}">
+                <a16:creationId xmlns:a16="http://schemas.microsoft.com/office/drawing/2014/main" id="{7B9B0DD1-4DBF-6B4D-27E6-657E05C24CEA}"/>
+              </a:ext>
+            </a:extLst>
+          </p:cNvPr>
+          <p:cNvPicPr>
+            <a:picLocks noChangeAspect="1"/>
+          </p:cNvPicPr>
+          <p:nvPr>
+            <a:audioFile r:link="rId2"/>
+            <p:extLst>
+              <p:ext uri="{DAA4B4D4-6D71-4841-9C94-3DE7FCFB9230}">
+                <p14:media xmlns:p14="http://schemas.microsoft.com/office/powerpoint/2010/main" r:embed="rId1"/>
+              </p:ext>
+            </p:extLst>
+          </p:nvPr>
+        </p:nvPicPr>
+        <p:blipFill>
+          <a:blip r:embed="rId4"/>
+          <a:stretch>
+            <a:fillRect/>
+          </a:stretch>
+        </p:blipFill>
+        <p:spPr>
+          <a:xfrm>
+            <a:off x="11430000" y="6096000"/>
+            <a:ext cx="609600" cy="609600"/>
+          </a:xfrm>
+          <a:prstGeom prst="rect">
+            <a:avLst/>
+          </a:prstGeom>
+        </p:spPr>
+      </p:pic>
+      <p:pic>
+        <p:nvPicPr>
+          <p:cNvPr id="7" name="Picture 6">
+            <a:extLst>
+              <a:ext uri="{FF2B5EF4-FFF2-40B4-BE49-F238E27FC236}">
+                <a16:creationId xmlns:a16="http://schemas.microsoft.com/office/drawing/2014/main" id="{49DB59A8-FC53-85E3-B36E-EA07186A4975}"/>
+              </a:ext>
+            </a:extLst>
+          </p:cNvPr>
+          <p:cNvPicPr>
+            <a:picLocks noChangeAspect="1"/>
+          </p:cNvPicPr>
+          <p:nvPr/>
+        </p:nvPicPr>
+        <p:blipFill>
+          <a:blip r:embed="rId5"/>
+          <a:stretch>
+            <a:fillRect/>
+          </a:stretch>
+        </p:blipFill>
+        <p:spPr>
+          <a:xfrm>
+            <a:off x="4930312" y="1496000"/>
+            <a:ext cx="5723809" cy="4600000"/>
+          </a:xfrm>
+          <a:prstGeom prst="rect">
+            <a:avLst/>
+          </a:prstGeom>
+        </p:spPr>
+      </p:pic>
+    </p:spTree>
+    <p:extLst>
+      <p:ext uri="{BB962C8B-B14F-4D97-AF65-F5344CB8AC3E}">
+        <p14:creationId xmlns:p14="http://schemas.microsoft.com/office/powerpoint/2010/main" val="1074422753"/>
+      </p:ext>
+    </p:extLst>
+  </p:cSld>
+  <p:clrMapOvr>
+    <a:masterClrMapping/>
+  </p:clrMapOvr>
+  <mc:AlternateContent xmlns:mc="http://schemas.openxmlformats.org/markup-compatibility/2006">
+    <mc:Choice xmlns:p14="http://schemas.microsoft.com/office/powerpoint/2010/main" Requires="p14">
+      <p:transition spd="slow" p14:dur="2000" advTm="1030"/>
+    </mc:Choice>
+    <mc:Fallback>
+      <p:transition spd="slow" advTm="1030"/>
+    </mc:Fallback>
+  </mc:AlternateContent>
+  <p:timing>
+    <p:tnLst>
+      <p:par>
+        <p:cTn id="1" dur="indefinite" restart="never" nodeType="tmRoot">
+          <p:childTnLst>
+            <p:seq concurrent="1" nextAc="seek">
+              <p:cTn id="2" dur="indefinite" nodeType="mainSeq">
+                <p:childTnLst>
+                  <p:par>
+                    <p:cTn id="3" fill="hold">
+                      <p:stCondLst>
+                        <p:cond delay="indefinite"/>
+                        <p:cond evt="onBegin" delay="0">
+                          <p:tn val="2"/>
+                        </p:cond>
+                      </p:stCondLst>
+                      <p:childTnLst>
+                        <p:par>
+                          <p:cTn id="4" fill="hold">
+                            <p:stCondLst>
+                              <p:cond delay="0"/>
+                            </p:stCondLst>
+                            <p:childTnLst>
+                              <p:par>
+                                <p:cTn id="5" presetID="1" presetClass="mediacall" presetSubtype="0" fill="hold" nodeType="afterEffect">
+                                  <p:stCondLst>
+                                    <p:cond delay="0"/>
+                                  </p:stCondLst>
+                                  <p:childTnLst>
+                                    <p:cmd type="call" cmd="playFrom(0.0)">
+                                      <p:cBhvr>
+                                        <p:cTn id="6" dur="1" fill="hold"/>
+                                        <p:tgtEl>
+                                          <p:spTgt spid="4"/>
+                                        </p:tgtEl>
+                                      </p:cBhvr>
+                                    </p:cmd>
+                                  </p:childTnLst>
+                                </p:cTn>
+                              </p:par>
+                            </p:childTnLst>
+                          </p:cTn>
+                        </p:par>
+                      </p:childTnLst>
+                    </p:cTn>
+                  </p:par>
+                </p:childTnLst>
+              </p:cTn>
+              <p:prevCondLst>
+                <p:cond evt="onPrev" delay="0">
+                  <p:tgtEl>
+                    <p:sldTgt/>
+                  </p:tgtEl>
+                </p:cond>
+              </p:prevCondLst>
+              <p:nextCondLst>
+                <p:cond evt="onNext" delay="0">
+                  <p:tgtEl>
+                    <p:sldTgt/>
+                  </p:tgtEl>
+                </p:cond>
+              </p:nextCondLst>
+            </p:seq>
+            <p:audio isNarration="1">
+              <p:cMediaNode vol="80000" showWhenStopped="0">
+                <p:cTn id="7" fill="hold" display="0">
+                  <p:stCondLst>
+                    <p:cond delay="indefinite"/>
+                  </p:stCondLst>
+                  <p:endCondLst>
+                    <p:cond evt="onStopAudio" delay="0">
+                      <p:tgtEl>
+                        <p:sldTgt/>
+                      </p:tgtEl>
+                    </p:cond>
+                  </p:endCondLst>
+                </p:cTn>
+                <p:tgtEl>
+                  <p:spTgt spid="4"/>
+                </p:tgtEl>
+              </p:cMediaNode>
+            </p:audio>
+          </p:childTnLst>
+        </p:cTn>
+      </p:par>
+    </p:tnLst>
+  </p:timing>
 </p:sld>
 </file>
 
@@ -3844,6 +4919,36 @@
           </a:p>
         </p:txBody>
       </p:sp>
+      <p:pic>
+        <p:nvPicPr>
+          <p:cNvPr id="4" name="Picture 3">
+            <a:extLst>
+              <a:ext uri="{FF2B5EF4-FFF2-40B4-BE49-F238E27FC236}">
+                <a16:creationId xmlns:a16="http://schemas.microsoft.com/office/drawing/2014/main" id="{F9467F14-A5EB-40CF-EA35-65CE503062E2}"/>
+              </a:ext>
+            </a:extLst>
+          </p:cNvPr>
+          <p:cNvPicPr>
+            <a:picLocks noChangeAspect="1"/>
+          </p:cNvPicPr>
+          <p:nvPr/>
+        </p:nvPicPr>
+        <p:blipFill>
+          <a:blip r:embed="rId2"/>
+          <a:stretch>
+            <a:fillRect/>
+          </a:stretch>
+        </p:blipFill>
+        <p:spPr>
+          <a:xfrm>
+            <a:off x="3519814" y="1261563"/>
+            <a:ext cx="8530223" cy="4429435"/>
+          </a:xfrm>
+          <a:prstGeom prst="rect">
+            <a:avLst/>
+          </a:prstGeom>
+        </p:spPr>
+      </p:pic>
     </p:spTree>
     <p:extLst>
       <p:ext uri="{BB962C8B-B14F-4D97-AF65-F5344CB8AC3E}">
@@ -4089,6 +5194,36 @@
           </a:p>
         </p:txBody>
       </p:sp>
+      <p:pic>
+        <p:nvPicPr>
+          <p:cNvPr id="4" name="Picture 3">
+            <a:extLst>
+              <a:ext uri="{FF2B5EF4-FFF2-40B4-BE49-F238E27FC236}">
+                <a16:creationId xmlns:a16="http://schemas.microsoft.com/office/drawing/2014/main" id="{6BB75F41-24ED-9DB9-BCF9-A494A4CDDC49}"/>
+              </a:ext>
+            </a:extLst>
+          </p:cNvPr>
+          <p:cNvPicPr>
+            <a:picLocks noChangeAspect="1"/>
+          </p:cNvPicPr>
+          <p:nvPr/>
+        </p:nvPicPr>
+        <p:blipFill>
+          <a:blip r:embed="rId2"/>
+          <a:stretch>
+            <a:fillRect/>
+          </a:stretch>
+        </p:blipFill>
+        <p:spPr>
+          <a:xfrm>
+            <a:off x="3685462" y="1227551"/>
+            <a:ext cx="8051426" cy="4595230"/>
+          </a:xfrm>
+          <a:prstGeom prst="rect">
+            <a:avLst/>
+          </a:prstGeom>
+        </p:spPr>
+      </p:pic>
     </p:spTree>
     <p:extLst>
       <p:ext uri="{BB962C8B-B14F-4D97-AF65-F5344CB8AC3E}">
@@ -4318,6 +5453,74 @@
           </a:p>
         </p:txBody>
       </p:sp>
+      <p:pic>
+        <p:nvPicPr>
+          <p:cNvPr id="6" name="Audio 5">
+            <a:hlinkClick r:id="" action="ppaction://media"/>
+            <a:extLst>
+              <a:ext uri="{FF2B5EF4-FFF2-40B4-BE49-F238E27FC236}">
+                <a16:creationId xmlns:a16="http://schemas.microsoft.com/office/drawing/2014/main" id="{223C6301-4F4A-7A6B-B571-CB64B7B4E0D6}"/>
+              </a:ext>
+            </a:extLst>
+          </p:cNvPr>
+          <p:cNvPicPr>
+            <a:picLocks noChangeAspect="1"/>
+          </p:cNvPicPr>
+          <p:nvPr>
+            <a:audioFile r:link="rId2"/>
+            <p:extLst>
+              <p:ext uri="{DAA4B4D4-6D71-4841-9C94-3DE7FCFB9230}">
+                <p14:media xmlns:p14="http://schemas.microsoft.com/office/powerpoint/2010/main" r:embed="rId1"/>
+              </p:ext>
+            </p:extLst>
+          </p:nvPr>
+        </p:nvPicPr>
+        <p:blipFill>
+          <a:blip r:embed="rId4"/>
+          <a:stretch>
+            <a:fillRect/>
+          </a:stretch>
+        </p:blipFill>
+        <p:spPr>
+          <a:xfrm>
+            <a:off x="11430000" y="6096000"/>
+            <a:ext cx="609600" cy="609600"/>
+          </a:xfrm>
+          <a:prstGeom prst="rect">
+            <a:avLst/>
+          </a:prstGeom>
+        </p:spPr>
+      </p:pic>
+      <p:pic>
+        <p:nvPicPr>
+          <p:cNvPr id="8" name="Picture 7">
+            <a:extLst>
+              <a:ext uri="{FF2B5EF4-FFF2-40B4-BE49-F238E27FC236}">
+                <a16:creationId xmlns:a16="http://schemas.microsoft.com/office/drawing/2014/main" id="{07220056-FB83-2EFC-1E3F-D6641316DEC1}"/>
+              </a:ext>
+            </a:extLst>
+          </p:cNvPr>
+          <p:cNvPicPr>
+            <a:picLocks noChangeAspect="1"/>
+          </p:cNvPicPr>
+          <p:nvPr/>
+        </p:nvPicPr>
+        <p:blipFill>
+          <a:blip r:embed="rId5"/>
+          <a:stretch>
+            <a:fillRect/>
+          </a:stretch>
+        </p:blipFill>
+        <p:spPr>
+          <a:xfrm>
+            <a:off x="3720121" y="1144102"/>
+            <a:ext cx="8144192" cy="4569796"/>
+          </a:xfrm>
+          <a:prstGeom prst="rect">
+            <a:avLst/>
+          </a:prstGeom>
+        </p:spPr>
+      </p:pic>
     </p:spTree>
     <p:extLst>
       <p:ext uri="{BB962C8B-B14F-4D97-AF65-F5344CB8AC3E}">
@@ -4328,6 +5531,101 @@
   <p:clrMapOvr>
     <a:masterClrMapping/>
   </p:clrMapOvr>
+  <mc:AlternateContent xmlns:mc="http://schemas.openxmlformats.org/markup-compatibility/2006">
+    <mc:Choice xmlns:p14="http://schemas.microsoft.com/office/powerpoint/2010/main" Requires="p14">
+      <p:transition spd="slow" p14:dur="2000" advTm="12990"/>
+    </mc:Choice>
+    <mc:Fallback>
+      <p:transition spd="slow" advTm="12990"/>
+    </mc:Fallback>
+  </mc:AlternateContent>
+  <p:timing>
+    <p:tnLst>
+      <p:par>
+        <p:cTn id="1" dur="indefinite" restart="never" nodeType="tmRoot">
+          <p:childTnLst>
+            <p:seq concurrent="1" nextAc="seek">
+              <p:cTn id="2" dur="indefinite" nodeType="mainSeq">
+                <p:childTnLst>
+                  <p:par>
+                    <p:cTn id="3" fill="hold">
+                      <p:stCondLst>
+                        <p:cond delay="indefinite"/>
+                        <p:cond evt="onBegin" delay="0">
+                          <p:tn val="2"/>
+                        </p:cond>
+                      </p:stCondLst>
+                      <p:childTnLst>
+                        <p:par>
+                          <p:cTn id="4" fill="hold">
+                            <p:stCondLst>
+                              <p:cond delay="0"/>
+                            </p:stCondLst>
+                            <p:childTnLst>
+                              <p:par>
+                                <p:cTn id="5" presetID="1" presetClass="mediacall" presetSubtype="0" fill="hold" nodeType="afterEffect">
+                                  <p:stCondLst>
+                                    <p:cond delay="0"/>
+                                  </p:stCondLst>
+                                  <p:childTnLst>
+                                    <p:cmd type="call" cmd="playFrom(0.0)">
+                                      <p:cBhvr>
+                                        <p:cTn id="6" dur="1" fill="hold"/>
+                                        <p:tgtEl>
+                                          <p:spTgt spid="6"/>
+                                        </p:tgtEl>
+                                      </p:cBhvr>
+                                    </p:cmd>
+                                  </p:childTnLst>
+                                </p:cTn>
+                              </p:par>
+                            </p:childTnLst>
+                          </p:cTn>
+                        </p:par>
+                      </p:childTnLst>
+                    </p:cTn>
+                  </p:par>
+                </p:childTnLst>
+              </p:cTn>
+              <p:prevCondLst>
+                <p:cond evt="onPrev" delay="0">
+                  <p:tgtEl>
+                    <p:sldTgt/>
+                  </p:tgtEl>
+                </p:cond>
+              </p:prevCondLst>
+              <p:nextCondLst>
+                <p:cond evt="onNext" delay="0">
+                  <p:tgtEl>
+                    <p:sldTgt/>
+                  </p:tgtEl>
+                </p:cond>
+              </p:nextCondLst>
+            </p:seq>
+            <p:audio isNarration="1">
+              <p:cMediaNode vol="80000" showWhenStopped="0">
+                <p:cTn id="7" fill="hold" display="0">
+                  <p:stCondLst>
+                    <p:cond delay="indefinite"/>
+                  </p:stCondLst>
+                  <p:endCondLst>
+                    <p:cond evt="onStopAudio" delay="0">
+                      <p:tgtEl>
+                        <p:sldTgt/>
+                      </p:tgtEl>
+                    </p:cond>
+                  </p:endCondLst>
+                </p:cTn>
+                <p:tgtEl>
+                  <p:spTgt spid="6"/>
+                </p:tgtEl>
+              </p:cMediaNode>
+            </p:audio>
+          </p:childTnLst>
+        </p:cTn>
+      </p:par>
+    </p:tnLst>
+  </p:timing>
 </p:sld>
 </file>
 
@@ -4358,7 +5656,7 @@
       </p:grpSpPr>
       <p:sp>
         <p:nvSpPr>
-          <p:cNvPr id="14" name="Rectangle 13">
+          <p:cNvPr id="9" name="Rectangle 8">
             <a:extLst>
               <a:ext uri="{FF2B5EF4-FFF2-40B4-BE49-F238E27FC236}">
                 <a16:creationId xmlns:a16="http://schemas.microsoft.com/office/drawing/2014/main" id="{6753252F-4873-4F63-801D-CC719279A7D5}"/>
@@ -4421,7 +5719,7 @@
       </p:sp>
       <p:sp>
         <p:nvSpPr>
-          <p:cNvPr id="16" name="Rectangle 15">
+          <p:cNvPr id="11" name="Rectangle 10">
             <a:extLst>
               <a:ext uri="{FF2B5EF4-FFF2-40B4-BE49-F238E27FC236}">
                 <a16:creationId xmlns:a16="http://schemas.microsoft.com/office/drawing/2014/main" id="{047C8CCB-F95D-4249-92DD-651249D3535A}"/>
@@ -4451,7 +5749,7 @@
             <a:avLst/>
           </a:prstGeom>
           <a:solidFill>
-            <a:srgbClr val="677B91"/>
+            <a:srgbClr val="414472"/>
           </a:solidFill>
           <a:ln>
             <a:noFill/>
@@ -4523,6 +5821,17 @@
           <a:p>
             <a:pPr algn="ctr"/>
             <a:r>
+              <a:rPr lang="en-US" sz="2600" kern="1200" dirty="0" err="1">
+                <a:solidFill>
+                  <a:srgbClr val="FFFFFF"/>
+                </a:solidFill>
+                <a:latin typeface="+mj-lt"/>
+                <a:ea typeface="+mj-ea"/>
+                <a:cs typeface="+mj-cs"/>
+              </a:rPr>
+              <a:t>PowerBI</a:t>
+            </a:r>
+            <a:r>
               <a:rPr lang="en-US" sz="2600" kern="1200" dirty="0">
                 <a:solidFill>
                   <a:srgbClr val="FFFFFF"/>
@@ -4531,21 +5840,214 @@
                 <a:ea typeface="+mj-ea"/>
                 <a:cs typeface="+mj-cs"/>
               </a:rPr>
-              <a:t>Python Histogram</a:t>
-            </a:r>
-          </a:p>
-        </p:txBody>
-      </p:sp>
+              <a:t> Key Influencers Chart</a:t>
+            </a:r>
+          </a:p>
+        </p:txBody>
+      </p:sp>
+      <p:pic>
+        <p:nvPicPr>
+          <p:cNvPr id="8" name="Audio 7">
+            <a:hlinkClick r:id="" action="ppaction://media"/>
+            <a:extLst>
+              <a:ext uri="{FF2B5EF4-FFF2-40B4-BE49-F238E27FC236}">
+                <a16:creationId xmlns:a16="http://schemas.microsoft.com/office/drawing/2014/main" id="{CF2422AD-F955-5D3B-5AB5-6BC81ADCA817}"/>
+              </a:ext>
+            </a:extLst>
+          </p:cNvPr>
+          <p:cNvPicPr>
+            <a:picLocks noChangeAspect="1"/>
+          </p:cNvPicPr>
+          <p:nvPr>
+            <a:audioFile r:link="rId2"/>
+            <p:extLst>
+              <p:ext uri="{DAA4B4D4-6D71-4841-9C94-3DE7FCFB9230}">
+                <p14:media xmlns:p14="http://schemas.microsoft.com/office/powerpoint/2010/main" r:embed="rId1"/>
+              </p:ext>
+            </p:extLst>
+          </p:nvPr>
+        </p:nvPicPr>
+        <p:blipFill>
+          <a:blip r:embed="rId4"/>
+          <a:stretch>
+            <a:fillRect/>
+          </a:stretch>
+        </p:blipFill>
+        <p:spPr>
+          <a:xfrm>
+            <a:off x="11430000" y="6096000"/>
+            <a:ext cx="609600" cy="609600"/>
+          </a:xfrm>
+          <a:prstGeom prst="rect">
+            <a:avLst/>
+          </a:prstGeom>
+        </p:spPr>
+      </p:pic>
+      <p:pic>
+        <p:nvPicPr>
+          <p:cNvPr id="12" name="Picture 11">
+            <a:extLst>
+              <a:ext uri="{FF2B5EF4-FFF2-40B4-BE49-F238E27FC236}">
+                <a16:creationId xmlns:a16="http://schemas.microsoft.com/office/drawing/2014/main" id="{918A81A4-D6F9-74CF-4E23-7CC5F82A0D1D}"/>
+              </a:ext>
+            </a:extLst>
+          </p:cNvPr>
+          <p:cNvPicPr>
+            <a:picLocks noChangeAspect="1"/>
+          </p:cNvPicPr>
+          <p:nvPr/>
+        </p:nvPicPr>
+        <p:blipFill>
+          <a:blip r:embed="rId5"/>
+          <a:stretch>
+            <a:fillRect/>
+          </a:stretch>
+        </p:blipFill>
+        <p:spPr>
+          <a:xfrm>
+            <a:off x="5679784" y="168058"/>
+            <a:ext cx="6239568" cy="3505200"/>
+          </a:xfrm>
+          <a:prstGeom prst="rect">
+            <a:avLst/>
+          </a:prstGeom>
+        </p:spPr>
+      </p:pic>
+      <p:pic>
+        <p:nvPicPr>
+          <p:cNvPr id="14" name="Picture 13">
+            <a:extLst>
+              <a:ext uri="{FF2B5EF4-FFF2-40B4-BE49-F238E27FC236}">
+                <a16:creationId xmlns:a16="http://schemas.microsoft.com/office/drawing/2014/main" id="{39CD0805-719E-9903-A7F0-C1E5CBE73182}"/>
+              </a:ext>
+            </a:extLst>
+          </p:cNvPr>
+          <p:cNvPicPr>
+            <a:picLocks noChangeAspect="1"/>
+          </p:cNvPicPr>
+          <p:nvPr/>
+        </p:nvPicPr>
+        <p:blipFill>
+          <a:blip r:embed="rId6"/>
+          <a:stretch>
+            <a:fillRect/>
+          </a:stretch>
+        </p:blipFill>
+        <p:spPr>
+          <a:xfrm>
+            <a:off x="3631074" y="3398271"/>
+            <a:ext cx="5168494" cy="3291671"/>
+          </a:xfrm>
+          <a:prstGeom prst="rect">
+            <a:avLst/>
+          </a:prstGeom>
+        </p:spPr>
+      </p:pic>
     </p:spTree>
     <p:extLst>
       <p:ext uri="{BB962C8B-B14F-4D97-AF65-F5344CB8AC3E}">
-        <p14:creationId xmlns:p14="http://schemas.microsoft.com/office/powerpoint/2010/main" val="2233904104"/>
+        <p14:creationId xmlns:p14="http://schemas.microsoft.com/office/powerpoint/2010/main" val="2072169228"/>
       </p:ext>
     </p:extLst>
   </p:cSld>
   <p:clrMapOvr>
     <a:masterClrMapping/>
   </p:clrMapOvr>
+  <mc:AlternateContent xmlns:mc="http://schemas.openxmlformats.org/markup-compatibility/2006">
+    <mc:Choice xmlns:p14="http://schemas.microsoft.com/office/powerpoint/2010/main" Requires="p14">
+      <p:transition spd="slow" p14:dur="2000" advTm="4635"/>
+    </mc:Choice>
+    <mc:Fallback>
+      <p:transition spd="slow" advTm="4635"/>
+    </mc:Fallback>
+  </mc:AlternateContent>
+  <p:timing>
+    <p:tnLst>
+      <p:par>
+        <p:cTn id="1" dur="indefinite" restart="never" nodeType="tmRoot">
+          <p:childTnLst>
+            <p:seq concurrent="1" nextAc="seek">
+              <p:cTn id="2" dur="indefinite" nodeType="mainSeq">
+                <p:childTnLst>
+                  <p:par>
+                    <p:cTn id="3" fill="hold">
+                      <p:stCondLst>
+                        <p:cond delay="indefinite"/>
+                        <p:cond evt="onBegin" delay="0">
+                          <p:tn val="2"/>
+                        </p:cond>
+                      </p:stCondLst>
+                      <p:childTnLst>
+                        <p:par>
+                          <p:cTn id="4" fill="hold">
+                            <p:stCondLst>
+                              <p:cond delay="0"/>
+                            </p:stCondLst>
+                            <p:childTnLst>
+                              <p:par>
+                                <p:cTn id="5" presetID="1" presetClass="mediacall" presetSubtype="0" fill="hold" nodeType="afterEffect">
+                                  <p:stCondLst>
+                                    <p:cond delay="0"/>
+                                  </p:stCondLst>
+                                  <p:childTnLst>
+                                    <p:cmd type="call" cmd="playFrom(0.0)">
+                                      <p:cBhvr>
+                                        <p:cTn id="6" dur="1" fill="hold"/>
+                                        <p:tgtEl>
+                                          <p:spTgt spid="8"/>
+                                        </p:tgtEl>
+                                      </p:cBhvr>
+                                    </p:cmd>
+                                  </p:childTnLst>
+                                </p:cTn>
+                              </p:par>
+                            </p:childTnLst>
+                          </p:cTn>
+                        </p:par>
+                      </p:childTnLst>
+                    </p:cTn>
+                  </p:par>
+                </p:childTnLst>
+              </p:cTn>
+              <p:prevCondLst>
+                <p:cond evt="onPrev" delay="0">
+                  <p:tgtEl>
+                    <p:sldTgt/>
+                  </p:tgtEl>
+                </p:cond>
+              </p:prevCondLst>
+              <p:nextCondLst>
+                <p:cond evt="onNext" delay="0">
+                  <p:tgtEl>
+                    <p:sldTgt/>
+                  </p:tgtEl>
+                </p:cond>
+              </p:nextCondLst>
+            </p:seq>
+            <p:audio isNarration="1">
+              <p:cMediaNode vol="80000" showWhenStopped="0">
+                <p:cTn id="7" fill="hold" display="0">
+                  <p:stCondLst>
+                    <p:cond delay="indefinite"/>
+                  </p:stCondLst>
+                  <p:endCondLst>
+                    <p:cond evt="onStopAudio" delay="0">
+                      <p:tgtEl>
+                        <p:sldTgt/>
+                      </p:tgtEl>
+                    </p:cond>
+                  </p:endCondLst>
+                </p:cTn>
+                <p:tgtEl>
+                  <p:spTgt spid="8"/>
+                </p:tgtEl>
+              </p:cMediaNode>
+            </p:audio>
+          </p:childTnLst>
+        </p:cTn>
+      </p:par>
+    </p:tnLst>
+  </p:timing>
 </p:sld>
 </file>
 
@@ -4576,7 +6078,7 @@
       </p:grpSpPr>
       <p:sp>
         <p:nvSpPr>
-          <p:cNvPr id="9" name="Rectangle 8">
+          <p:cNvPr id="14" name="Rectangle 13">
             <a:extLst>
               <a:ext uri="{FF2B5EF4-FFF2-40B4-BE49-F238E27FC236}">
                 <a16:creationId xmlns:a16="http://schemas.microsoft.com/office/drawing/2014/main" id="{6753252F-4873-4F63-801D-CC719279A7D5}"/>
@@ -4639,7 +6141,7 @@
       </p:sp>
       <p:sp>
         <p:nvSpPr>
-          <p:cNvPr id="11" name="Rectangle 10">
+          <p:cNvPr id="16" name="Rectangle 15">
             <a:extLst>
               <a:ext uri="{FF2B5EF4-FFF2-40B4-BE49-F238E27FC236}">
                 <a16:creationId xmlns:a16="http://schemas.microsoft.com/office/drawing/2014/main" id="{047C8CCB-F95D-4249-92DD-651249D3535A}"/>
@@ -4669,7 +6171,7 @@
             <a:avLst/>
           </a:prstGeom>
           <a:solidFill>
-            <a:srgbClr val="414472"/>
+            <a:srgbClr val="677B91"/>
           </a:solidFill>
           <a:ln>
             <a:noFill/>
@@ -4749,37 +6251,59 @@
                 <a:ea typeface="+mj-ea"/>
                 <a:cs typeface="+mj-cs"/>
               </a:rPr>
-              <a:t>Python </a:t>
-            </a:r>
-            <a:r>
-              <a:rPr lang="en-US" sz="2600" dirty="0">
-                <a:solidFill>
-                  <a:srgbClr val="FFFFFF"/>
-                </a:solidFill>
-              </a:rPr>
-              <a:t>Box Plot </a:t>
-            </a:r>
-            <a:endParaRPr lang="en-US" sz="2600" kern="1200" dirty="0">
-              <a:solidFill>
-                <a:srgbClr val="FFFFFF"/>
-              </a:solidFill>
-              <a:latin typeface="+mj-lt"/>
-              <a:ea typeface="+mj-ea"/>
-              <a:cs typeface="+mj-cs"/>
-            </a:endParaRPr>
-          </a:p>
-        </p:txBody>
-      </p:sp>
+              <a:t>Python Histogram</a:t>
+            </a:r>
+          </a:p>
+        </p:txBody>
+      </p:sp>
+      <p:pic>
+        <p:nvPicPr>
+          <p:cNvPr id="5" name="Picture 4">
+            <a:extLst>
+              <a:ext uri="{FF2B5EF4-FFF2-40B4-BE49-F238E27FC236}">
+                <a16:creationId xmlns:a16="http://schemas.microsoft.com/office/drawing/2014/main" id="{DD28286F-545A-12A8-88DC-D5A1DA8B2EBE}"/>
+              </a:ext>
+            </a:extLst>
+          </p:cNvPr>
+          <p:cNvPicPr>
+            <a:picLocks noChangeAspect="1"/>
+          </p:cNvPicPr>
+          <p:nvPr/>
+        </p:nvPicPr>
+        <p:blipFill>
+          <a:blip r:embed="rId2"/>
+          <a:stretch>
+            <a:fillRect/>
+          </a:stretch>
+        </p:blipFill>
+        <p:spPr>
+          <a:xfrm>
+            <a:off x="4032514" y="410053"/>
+            <a:ext cx="8219048" cy="5561905"/>
+          </a:xfrm>
+          <a:prstGeom prst="rect">
+            <a:avLst/>
+          </a:prstGeom>
+        </p:spPr>
+      </p:pic>
     </p:spTree>
     <p:extLst>
       <p:ext uri="{BB962C8B-B14F-4D97-AF65-F5344CB8AC3E}">
-        <p14:creationId xmlns:p14="http://schemas.microsoft.com/office/powerpoint/2010/main" val="177562599"/>
+        <p14:creationId xmlns:p14="http://schemas.microsoft.com/office/powerpoint/2010/main" val="2233904104"/>
       </p:ext>
     </p:extLst>
   </p:cSld>
   <p:clrMapOvr>
     <a:masterClrMapping/>
   </p:clrMapOvr>
+  <mc:AlternateContent xmlns:mc="http://schemas.openxmlformats.org/markup-compatibility/2006">
+    <mc:Choice xmlns:p14="http://schemas.microsoft.com/office/powerpoint/2010/main" Requires="p14">
+      <p:transition spd="slow" p14:dur="2000" advTm="163"/>
+    </mc:Choice>
+    <mc:Fallback>
+      <p:transition spd="slow" advTm="163"/>
+    </mc:Fallback>
+  </mc:AlternateContent>
 </p:sld>
 </file>
 
@@ -4983,21 +6507,200 @@
                 <a:ea typeface="+mj-ea"/>
                 <a:cs typeface="+mj-cs"/>
               </a:rPr>
-              <a:t>Python Bullet Chart</a:t>
-            </a:r>
-          </a:p>
-        </p:txBody>
-      </p:sp>
+              <a:t>Python </a:t>
+            </a:r>
+            <a:r>
+              <a:rPr lang="en-US" sz="2600" dirty="0">
+                <a:solidFill>
+                  <a:srgbClr val="FFFFFF"/>
+                </a:solidFill>
+              </a:rPr>
+              <a:t>Box Plot </a:t>
+            </a:r>
+            <a:endParaRPr lang="en-US" sz="2600" kern="1200" dirty="0">
+              <a:solidFill>
+                <a:srgbClr val="FFFFFF"/>
+              </a:solidFill>
+              <a:latin typeface="+mj-lt"/>
+              <a:ea typeface="+mj-ea"/>
+              <a:cs typeface="+mj-cs"/>
+            </a:endParaRPr>
+          </a:p>
+        </p:txBody>
+      </p:sp>
+      <p:pic>
+        <p:nvPicPr>
+          <p:cNvPr id="4" name="Audio 3">
+            <a:hlinkClick r:id="" action="ppaction://media"/>
+            <a:extLst>
+              <a:ext uri="{FF2B5EF4-FFF2-40B4-BE49-F238E27FC236}">
+                <a16:creationId xmlns:a16="http://schemas.microsoft.com/office/drawing/2014/main" id="{C67F69AC-2EC2-3437-9405-2E62950E7407}"/>
+              </a:ext>
+            </a:extLst>
+          </p:cNvPr>
+          <p:cNvPicPr>
+            <a:picLocks noChangeAspect="1"/>
+          </p:cNvPicPr>
+          <p:nvPr>
+            <a:audioFile r:link="rId2"/>
+            <p:extLst>
+              <p:ext uri="{DAA4B4D4-6D71-4841-9C94-3DE7FCFB9230}">
+                <p14:media xmlns:p14="http://schemas.microsoft.com/office/powerpoint/2010/main" r:embed="rId1"/>
+              </p:ext>
+            </p:extLst>
+          </p:nvPr>
+        </p:nvPicPr>
+        <p:blipFill>
+          <a:blip r:embed="rId4"/>
+          <a:stretch>
+            <a:fillRect/>
+          </a:stretch>
+        </p:blipFill>
+        <p:spPr>
+          <a:xfrm>
+            <a:off x="11430000" y="6096000"/>
+            <a:ext cx="609600" cy="609600"/>
+          </a:xfrm>
+          <a:prstGeom prst="rect">
+            <a:avLst/>
+          </a:prstGeom>
+        </p:spPr>
+      </p:pic>
+      <p:pic>
+        <p:nvPicPr>
+          <p:cNvPr id="6" name="Picture 5">
+            <a:extLst>
+              <a:ext uri="{FF2B5EF4-FFF2-40B4-BE49-F238E27FC236}">
+                <a16:creationId xmlns:a16="http://schemas.microsoft.com/office/drawing/2014/main" id="{EB7ABE27-2831-8E72-93F6-3CD497589A48}"/>
+              </a:ext>
+            </a:extLst>
+          </p:cNvPr>
+          <p:cNvPicPr>
+            <a:picLocks noChangeAspect="1"/>
+          </p:cNvPicPr>
+          <p:nvPr/>
+        </p:nvPicPr>
+        <p:blipFill>
+          <a:blip r:embed="rId5"/>
+          <a:stretch>
+            <a:fillRect/>
+          </a:stretch>
+        </p:blipFill>
+        <p:spPr>
+          <a:xfrm>
+            <a:off x="3920788" y="619476"/>
+            <a:ext cx="7742857" cy="5619048"/>
+          </a:xfrm>
+          <a:prstGeom prst="rect">
+            <a:avLst/>
+          </a:prstGeom>
+        </p:spPr>
+      </p:pic>
     </p:spTree>
     <p:extLst>
       <p:ext uri="{BB962C8B-B14F-4D97-AF65-F5344CB8AC3E}">
-        <p14:creationId xmlns:p14="http://schemas.microsoft.com/office/powerpoint/2010/main" val="3693110058"/>
+        <p14:creationId xmlns:p14="http://schemas.microsoft.com/office/powerpoint/2010/main" val="177562599"/>
       </p:ext>
     </p:extLst>
   </p:cSld>
   <p:clrMapOvr>
     <a:masterClrMapping/>
   </p:clrMapOvr>
+  <mc:AlternateContent xmlns:mc="http://schemas.openxmlformats.org/markup-compatibility/2006">
+    <mc:Choice xmlns:p14="http://schemas.microsoft.com/office/powerpoint/2010/main" Requires="p14">
+      <p:transition spd="slow" p14:dur="2000" advTm="1297"/>
+    </mc:Choice>
+    <mc:Fallback>
+      <p:transition spd="slow" advTm="1297"/>
+    </mc:Fallback>
+  </mc:AlternateContent>
+  <p:timing>
+    <p:tnLst>
+      <p:par>
+        <p:cTn id="1" dur="indefinite" restart="never" nodeType="tmRoot">
+          <p:childTnLst>
+            <p:seq concurrent="1" nextAc="seek">
+              <p:cTn id="2" dur="indefinite" nodeType="mainSeq">
+                <p:childTnLst>
+                  <p:par>
+                    <p:cTn id="3" fill="hold">
+                      <p:stCondLst>
+                        <p:cond delay="indefinite"/>
+                        <p:cond evt="onBegin" delay="0">
+                          <p:tn val="2"/>
+                        </p:cond>
+                      </p:stCondLst>
+                      <p:childTnLst>
+                        <p:par>
+                          <p:cTn id="4" fill="hold">
+                            <p:stCondLst>
+                              <p:cond delay="0"/>
+                            </p:stCondLst>
+                            <p:childTnLst>
+                              <p:par>
+                                <p:cTn id="5" presetID="1" presetClass="mediacall" presetSubtype="0" fill="hold" nodeType="afterEffect">
+                                  <p:stCondLst>
+                                    <p:cond delay="0"/>
+                                  </p:stCondLst>
+                                  <p:childTnLst>
+                                    <p:cmd type="call" cmd="playFrom(0.0)">
+                                      <p:cBhvr>
+                                        <p:cTn id="6" dur="1" fill="hold"/>
+                                        <p:tgtEl>
+                                          <p:spTgt spid="4"/>
+                                        </p:tgtEl>
+                                      </p:cBhvr>
+                                    </p:cmd>
+                                  </p:childTnLst>
+                                </p:cTn>
+                              </p:par>
+                            </p:childTnLst>
+                          </p:cTn>
+                        </p:par>
+                      </p:childTnLst>
+                    </p:cTn>
+                  </p:par>
+                </p:childTnLst>
+              </p:cTn>
+              <p:prevCondLst>
+                <p:cond evt="onPrev" delay="0">
+                  <p:tgtEl>
+                    <p:sldTgt/>
+                  </p:tgtEl>
+                </p:cond>
+              </p:prevCondLst>
+              <p:nextCondLst>
+                <p:cond evt="onNext" delay="0">
+                  <p:tgtEl>
+                    <p:sldTgt/>
+                  </p:tgtEl>
+                </p:cond>
+              </p:nextCondLst>
+            </p:seq>
+            <p:audio isNarration="1">
+              <p:cMediaNode vol="80000" showWhenStopped="0">
+                <p:cTn id="7" fill="hold" display="0">
+                  <p:stCondLst>
+                    <p:cond delay="indefinite"/>
+                  </p:stCondLst>
+                  <p:endCondLst>
+                    <p:cond evt="onStopAudio" delay="0">
+                      <p:tgtEl>
+                        <p:sldTgt/>
+                      </p:tgtEl>
+                    </p:cond>
+                  </p:endCondLst>
+                </p:cTn>
+                <p:tgtEl>
+                  <p:spTgt spid="4"/>
+                </p:tgtEl>
+              </p:cMediaNode>
+            </p:audio>
+          </p:childTnLst>
+        </p:cTn>
+      </p:par>
+    </p:tnLst>
+  </p:timing>
 </p:sld>
 </file>
 
@@ -5028,7 +6731,7 @@
       </p:grpSpPr>
       <p:sp>
         <p:nvSpPr>
-          <p:cNvPr id="14" name="Rectangle 13">
+          <p:cNvPr id="9" name="Rectangle 8">
             <a:extLst>
               <a:ext uri="{FF2B5EF4-FFF2-40B4-BE49-F238E27FC236}">
                 <a16:creationId xmlns:a16="http://schemas.microsoft.com/office/drawing/2014/main" id="{6753252F-4873-4F63-801D-CC719279A7D5}"/>
@@ -5091,7 +6794,7 @@
       </p:sp>
       <p:sp>
         <p:nvSpPr>
-          <p:cNvPr id="16" name="Rectangle 15">
+          <p:cNvPr id="11" name="Rectangle 10">
             <a:extLst>
               <a:ext uri="{FF2B5EF4-FFF2-40B4-BE49-F238E27FC236}">
                 <a16:creationId xmlns:a16="http://schemas.microsoft.com/office/drawing/2014/main" id="{047C8CCB-F95D-4249-92DD-651249D3535A}"/>
@@ -5121,7 +6824,7 @@
             <a:avLst/>
           </a:prstGeom>
           <a:solidFill>
-            <a:srgbClr val="677B91"/>
+            <a:srgbClr val="414472"/>
           </a:solidFill>
           <a:ln>
             <a:noFill/>
@@ -5201,21 +6904,119 @@
                 <a:ea typeface="+mj-ea"/>
                 <a:cs typeface="+mj-cs"/>
               </a:rPr>
-              <a:t>R Histogram</a:t>
-            </a:r>
-          </a:p>
-        </p:txBody>
-      </p:sp>
+              <a:t>Python Bullet Chart</a:t>
+            </a:r>
+          </a:p>
+        </p:txBody>
+      </p:sp>
+      <p:pic>
+        <p:nvPicPr>
+          <p:cNvPr id="7" name="Picture 6">
+            <a:extLst>
+              <a:ext uri="{FF2B5EF4-FFF2-40B4-BE49-F238E27FC236}">
+                <a16:creationId xmlns:a16="http://schemas.microsoft.com/office/drawing/2014/main" id="{3E33765C-609B-465E-FB64-E7C410B45315}"/>
+              </a:ext>
+            </a:extLst>
+          </p:cNvPr>
+          <p:cNvPicPr>
+            <a:picLocks noChangeAspect="1"/>
+          </p:cNvPicPr>
+          <p:nvPr/>
+        </p:nvPicPr>
+        <p:blipFill>
+          <a:blip r:embed="rId2"/>
+          <a:stretch>
+            <a:fillRect/>
+          </a:stretch>
+        </p:blipFill>
+        <p:spPr>
+          <a:xfrm>
+            <a:off x="4032514" y="996593"/>
+            <a:ext cx="7020629" cy="1584868"/>
+          </a:xfrm>
+          <a:prstGeom prst="rect">
+            <a:avLst/>
+          </a:prstGeom>
+        </p:spPr>
+      </p:pic>
+      <p:pic>
+        <p:nvPicPr>
+          <p:cNvPr id="10" name="Picture 9">
+            <a:extLst>
+              <a:ext uri="{FF2B5EF4-FFF2-40B4-BE49-F238E27FC236}">
+                <a16:creationId xmlns:a16="http://schemas.microsoft.com/office/drawing/2014/main" id="{411EFB7B-7A15-2B97-F214-4B76172DBD0D}"/>
+              </a:ext>
+            </a:extLst>
+          </p:cNvPr>
+          <p:cNvPicPr>
+            <a:picLocks noChangeAspect="1"/>
+          </p:cNvPicPr>
+          <p:nvPr/>
+        </p:nvPicPr>
+        <p:blipFill>
+          <a:blip r:embed="rId3"/>
+          <a:stretch>
+            <a:fillRect/>
+          </a:stretch>
+        </p:blipFill>
+        <p:spPr>
+          <a:xfrm>
+            <a:off x="4183330" y="2395009"/>
+            <a:ext cx="6718995" cy="1370935"/>
+          </a:xfrm>
+          <a:prstGeom prst="rect">
+            <a:avLst/>
+          </a:prstGeom>
+        </p:spPr>
+      </p:pic>
+      <p:pic>
+        <p:nvPicPr>
+          <p:cNvPr id="13" name="Picture 12">
+            <a:extLst>
+              <a:ext uri="{FF2B5EF4-FFF2-40B4-BE49-F238E27FC236}">
+                <a16:creationId xmlns:a16="http://schemas.microsoft.com/office/drawing/2014/main" id="{023F594A-ADC6-D01E-EBA0-F015DBD242D7}"/>
+              </a:ext>
+            </a:extLst>
+          </p:cNvPr>
+          <p:cNvPicPr>
+            <a:picLocks noChangeAspect="1"/>
+          </p:cNvPicPr>
+          <p:nvPr/>
+        </p:nvPicPr>
+        <p:blipFill>
+          <a:blip r:embed="rId4"/>
+          <a:stretch>
+            <a:fillRect/>
+          </a:stretch>
+        </p:blipFill>
+        <p:spPr>
+          <a:xfrm>
+            <a:off x="3944832" y="3459044"/>
+            <a:ext cx="7265963" cy="1324594"/>
+          </a:xfrm>
+          <a:prstGeom prst="rect">
+            <a:avLst/>
+          </a:prstGeom>
+        </p:spPr>
+      </p:pic>
     </p:spTree>
     <p:extLst>
       <p:ext uri="{BB962C8B-B14F-4D97-AF65-F5344CB8AC3E}">
-        <p14:creationId xmlns:p14="http://schemas.microsoft.com/office/powerpoint/2010/main" val="1202723124"/>
+        <p14:creationId xmlns:p14="http://schemas.microsoft.com/office/powerpoint/2010/main" val="3693110058"/>
       </p:ext>
     </p:extLst>
   </p:cSld>
   <p:clrMapOvr>
     <a:masterClrMapping/>
   </p:clrMapOvr>
+  <mc:AlternateContent xmlns:mc="http://schemas.openxmlformats.org/markup-compatibility/2006">
+    <mc:Choice xmlns:p14="http://schemas.microsoft.com/office/powerpoint/2010/main" Requires="p14">
+      <p:transition spd="slow" p14:dur="2000" advTm="182"/>
+    </mc:Choice>
+    <mc:Fallback>
+      <p:transition spd="slow" advTm="182"/>
+    </mc:Fallback>
+  </mc:AlternateContent>
 </p:sld>
 </file>
 
@@ -5419,37 +7220,59 @@
                 <a:ea typeface="+mj-ea"/>
                 <a:cs typeface="+mj-cs"/>
               </a:rPr>
-              <a:t>R </a:t>
-            </a:r>
-            <a:r>
-              <a:rPr lang="en-US" sz="2600" dirty="0">
-                <a:solidFill>
-                  <a:srgbClr val="FFFFFF"/>
-                </a:solidFill>
-              </a:rPr>
-              <a:t>Box Plot </a:t>
-            </a:r>
-            <a:endParaRPr lang="en-US" sz="2600" kern="1200" dirty="0">
-              <a:solidFill>
-                <a:srgbClr val="FFFFFF"/>
-              </a:solidFill>
-              <a:latin typeface="+mj-lt"/>
-              <a:ea typeface="+mj-ea"/>
-              <a:cs typeface="+mj-cs"/>
-            </a:endParaRPr>
-          </a:p>
-        </p:txBody>
-      </p:sp>
+              <a:t>Python Heatmap</a:t>
+            </a:r>
+          </a:p>
+        </p:txBody>
+      </p:sp>
+      <p:pic>
+        <p:nvPicPr>
+          <p:cNvPr id="5" name="Picture 4">
+            <a:extLst>
+              <a:ext uri="{FF2B5EF4-FFF2-40B4-BE49-F238E27FC236}">
+                <a16:creationId xmlns:a16="http://schemas.microsoft.com/office/drawing/2014/main" id="{BD3C10E0-5048-F424-5FC2-20F6063D4532}"/>
+              </a:ext>
+            </a:extLst>
+          </p:cNvPr>
+          <p:cNvPicPr>
+            <a:picLocks noChangeAspect="1"/>
+          </p:cNvPicPr>
+          <p:nvPr/>
+        </p:nvPicPr>
+        <p:blipFill>
+          <a:blip r:embed="rId2"/>
+          <a:stretch>
+            <a:fillRect/>
+          </a:stretch>
+        </p:blipFill>
+        <p:spPr>
+          <a:xfrm>
+            <a:off x="4283902" y="998602"/>
+            <a:ext cx="7032187" cy="4860795"/>
+          </a:xfrm>
+          <a:prstGeom prst="rect">
+            <a:avLst/>
+          </a:prstGeom>
+        </p:spPr>
+      </p:pic>
     </p:spTree>
     <p:extLst>
       <p:ext uri="{BB962C8B-B14F-4D97-AF65-F5344CB8AC3E}">
-        <p14:creationId xmlns:p14="http://schemas.microsoft.com/office/powerpoint/2010/main" val="2695916254"/>
+        <p14:creationId xmlns:p14="http://schemas.microsoft.com/office/powerpoint/2010/main" val="23742008"/>
       </p:ext>
     </p:extLst>
   </p:cSld>
   <p:clrMapOvr>
     <a:masterClrMapping/>
   </p:clrMapOvr>
+  <mc:AlternateContent xmlns:mc="http://schemas.openxmlformats.org/markup-compatibility/2006">
+    <mc:Choice xmlns:p14="http://schemas.microsoft.com/office/powerpoint/2010/main" Requires="p14">
+      <p:transition spd="slow" p14:dur="2000" advTm="311"/>
+    </mc:Choice>
+    <mc:Fallback>
+      <p:transition spd="slow" advTm="311"/>
+    </mc:Fallback>
+  </mc:AlternateContent>
 </p:sld>
 </file>
 
